--- a/Amazon sales report.pptx
+++ b/Amazon sales report.pptx
@@ -381,7 +381,6 @@
               <c:showBubbleSize val="0"/>
               <c:extLst>
                 <c:ext xmlns:c15="http://schemas.microsoft.com/office/drawing/2012/chart" uri="{CE6537A1-D6FC-4f65-9D91-7224C49458BB}">
-                  <c15:layout/>
                   <c15:dlblFieldTable/>
                   <c15:showDataLabelsRange val="0"/>
                 </c:ext>
@@ -424,7 +423,6 @@
               <c:showBubbleSize val="0"/>
               <c:extLst>
                 <c:ext xmlns:c15="http://schemas.microsoft.com/office/drawing/2012/chart" uri="{CE6537A1-D6FC-4f65-9D91-7224C49458BB}">
-                  <c15:layout/>
                   <c15:dlblFieldTable/>
                   <c15:showDataLabelsRange val="0"/>
                 </c:ext>
@@ -467,7 +465,6 @@
               <c:showBubbleSize val="0"/>
               <c:extLst>
                 <c:ext xmlns:c15="http://schemas.microsoft.com/office/drawing/2012/chart" uri="{CE6537A1-D6FC-4f65-9D91-7224C49458BB}">
-                  <c15:layout/>
                   <c15:dlblFieldTable/>
                   <c15:showDataLabelsRange val="0"/>
                 </c:ext>
@@ -510,7 +507,6 @@
               <c:showBubbleSize val="0"/>
               <c:extLst>
                 <c:ext xmlns:c15="http://schemas.microsoft.com/office/drawing/2012/chart" uri="{CE6537A1-D6FC-4f65-9D91-7224C49458BB}">
-                  <c15:layout/>
                   <c15:dlblFieldTable/>
                   <c15:showDataLabelsRange val="0"/>
                 </c:ext>
@@ -553,7 +549,6 @@
               <c:showBubbleSize val="0"/>
               <c:extLst>
                 <c:ext xmlns:c15="http://schemas.microsoft.com/office/drawing/2012/chart" uri="{CE6537A1-D6FC-4f65-9D91-7224C49458BB}">
-                  <c15:layout/>
                   <c15:dlblFieldTable/>
                   <c15:showDataLabelsRange val="0"/>
                 </c:ext>
@@ -596,7 +591,6 @@
               <c:showBubbleSize val="0"/>
               <c:extLst>
                 <c:ext xmlns:c15="http://schemas.microsoft.com/office/drawing/2012/chart" uri="{CE6537A1-D6FC-4f65-9D91-7224C49458BB}">
-                  <c15:layout/>
                   <c15:dlblFieldTable/>
                   <c15:showDataLabelsRange val="0"/>
                 </c:ext>
@@ -639,7 +633,6 @@
               <c:showBubbleSize val="0"/>
               <c:extLst>
                 <c:ext xmlns:c15="http://schemas.microsoft.com/office/drawing/2012/chart" uri="{CE6537A1-D6FC-4f65-9D91-7224C49458BB}">
-                  <c15:layout/>
                   <c15:dlblFieldTable/>
                   <c15:showDataLabelsRange val="0"/>
                 </c:ext>
@@ -682,7 +675,6 @@
               <c:showBubbleSize val="0"/>
               <c:extLst>
                 <c:ext xmlns:c15="http://schemas.microsoft.com/office/drawing/2012/chart" uri="{CE6537A1-D6FC-4f65-9D91-7224C49458BB}">
-                  <c15:layout/>
                   <c15:dlblFieldTable/>
                   <c15:showDataLabelsRange val="0"/>
                 </c:ext>
@@ -725,7 +717,6 @@
               <c:showBubbleSize val="0"/>
               <c:extLst>
                 <c:ext xmlns:c15="http://schemas.microsoft.com/office/drawing/2012/chart" uri="{CE6537A1-D6FC-4f65-9D91-7224C49458BB}">
-                  <c15:layout/>
                   <c15:dlblFieldTable/>
                   <c15:showDataLabelsRange val="0"/>
                 </c:ext>
@@ -991,7 +982,6 @@
         <c:dispUnits>
           <c:builtInUnit val="millions"/>
           <c:dispUnitsLbl>
-            <c:layout/>
             <c:spPr>
               <a:noFill/>
               <a:ln>
@@ -1036,7 +1026,6 @@
     </c:plotArea>
     <c:plotVisOnly val="1"/>
     <c:dispBlanksAs val="gap"/>
-    <c:showDLblsOverMax val="0"/>
     <c:extLst>
       <c:ext xmlns:c16r3="http://schemas.microsoft.com/office/drawing/2017/03/chart" uri="{56B9EC1D-385E-4148-901F-78D8002777C0}">
         <c16r3:dataDisplayOptions16>
@@ -1044,6 +1033,7 @@
         </c16r3:dataDisplayOptions16>
       </c:ext>
     </c:extLst>
+    <c:showDLblsOverMax val="0"/>
   </c:chart>
   <c:spPr>
     <a:noFill/>
@@ -2527,7 +2517,6 @@
     </c:legend>
     <c:plotVisOnly val="1"/>
     <c:dispBlanksAs val="gap"/>
-    <c:showDLblsOverMax val="0"/>
     <c:extLst>
       <c:ext xmlns:c16r3="http://schemas.microsoft.com/office/drawing/2017/03/chart" uri="{56B9EC1D-385E-4148-901F-78D8002777C0}">
         <c16r3:dataDisplayOptions16>
@@ -2535,6 +2524,7 @@
         </c16r3:dataDisplayOptions16>
       </c:ext>
     </c:extLst>
+    <c:showDLblsOverMax val="0"/>
   </c:chart>
   <c:spPr>
     <a:solidFill>
@@ -4222,7 +4212,6 @@
               <c:showBubbleSize val="0"/>
               <c:extLst>
                 <c:ext xmlns:c15="http://schemas.microsoft.com/office/drawing/2012/chart" uri="{CE6537A1-D6FC-4f65-9D91-7224C49458BB}">
-                  <c15:layout/>
                   <c15:dlblFieldTable/>
                   <c15:showDataLabelsRange val="0"/>
                 </c:ext>
@@ -4269,7 +4258,6 @@
               <c:showBubbleSize val="0"/>
               <c:extLst>
                 <c:ext xmlns:c15="http://schemas.microsoft.com/office/drawing/2012/chart" uri="{CE6537A1-D6FC-4f65-9D91-7224C49458BB}">
-                  <c15:layout/>
                   <c15:dlblFieldTable/>
                   <c15:showDataLabelsRange val="0"/>
                 </c:ext>
@@ -4316,7 +4304,6 @@
               <c:showBubbleSize val="0"/>
               <c:extLst>
                 <c:ext xmlns:c15="http://schemas.microsoft.com/office/drawing/2012/chart" uri="{CE6537A1-D6FC-4f65-9D91-7224C49458BB}">
-                  <c15:layout/>
                   <c15:dlblFieldTable/>
                   <c15:showDataLabelsRange val="0"/>
                 </c:ext>
@@ -4359,7 +4346,6 @@
               <c:showBubbleSize val="0"/>
               <c:extLst>
                 <c:ext xmlns:c15="http://schemas.microsoft.com/office/drawing/2012/chart" uri="{CE6537A1-D6FC-4f65-9D91-7224C49458BB}">
-                  <c15:layout/>
                   <c15:dlblFieldTable/>
                   <c15:showDataLabelsRange val="0"/>
                 </c:ext>
@@ -4402,7 +4388,6 @@
               <c:showBubbleSize val="0"/>
               <c:extLst>
                 <c:ext xmlns:c15="http://schemas.microsoft.com/office/drawing/2012/chart" uri="{CE6537A1-D6FC-4f65-9D91-7224C49458BB}">
-                  <c15:layout/>
                   <c15:dlblFieldTable/>
                   <c15:showDataLabelsRange val="0"/>
                 </c:ext>
@@ -4593,7 +4578,6 @@
     </c:legend>
     <c:plotVisOnly val="1"/>
     <c:dispBlanksAs val="gap"/>
-    <c:showDLblsOverMax val="0"/>
     <c:extLst>
       <c:ext xmlns:c16r3="http://schemas.microsoft.com/office/drawing/2017/03/chart" uri="{56B9EC1D-385E-4148-901F-78D8002777C0}">
         <c16r3:dataDisplayOptions16>
@@ -4601,6 +4585,7 @@
         </c16r3:dataDisplayOptions16>
       </c:ext>
     </c:extLst>
+    <c:showDLblsOverMax val="0"/>
   </c:chart>
   <c:spPr>
     <a:solidFill>
@@ -4894,7 +4879,6 @@
             <c:showLeaderLines val="0"/>
             <c:extLst>
               <c:ext xmlns:c15="http://schemas.microsoft.com/office/drawing/2012/chart" uri="{CE6537A1-D6FC-4f65-9D91-7224C49458BB}">
-                <c15:layout/>
                 <c15:showLeaderLines val="1"/>
                 <c15:leaderLines>
                   <c:spPr>
@@ -5098,7 +5082,6 @@
         <c:dispUnits>
           <c:builtInUnit val="millions"/>
           <c:dispUnitsLbl>
-            <c:layout/>
             <c:spPr>
               <a:noFill/>
               <a:ln>
@@ -5139,7 +5122,6 @@
     </c:plotArea>
     <c:plotVisOnly val="1"/>
     <c:dispBlanksAs val="gap"/>
-    <c:showDLblsOverMax val="0"/>
     <c:extLst>
       <c:ext xmlns:c16r3="http://schemas.microsoft.com/office/drawing/2017/03/chart" uri="{56B9EC1D-385E-4148-901F-78D8002777C0}">
         <c16r3:dataDisplayOptions16>
@@ -5147,6 +5129,7 @@
         </c16r3:dataDisplayOptions16>
       </c:ext>
     </c:extLst>
+    <c:showDLblsOverMax val="0"/>
   </c:chart>
   <c:spPr>
     <a:noFill/>
@@ -5858,7 +5841,6 @@
     </c:plotArea>
     <c:plotVisOnly val="1"/>
     <c:dispBlanksAs val="gap"/>
-    <c:showDLblsOverMax val="0"/>
     <c:extLst>
       <c:ext xmlns:c16r3="http://schemas.microsoft.com/office/drawing/2017/03/chart" uri="{56B9EC1D-385E-4148-901F-78D8002777C0}">
         <c16r3:dataDisplayOptions16>
@@ -5866,6 +5848,7 @@
         </c16r3:dataDisplayOptions16>
       </c:ext>
     </c:extLst>
+    <c:showDLblsOverMax val="0"/>
   </c:chart>
   <c:spPr>
     <a:noFill/>
@@ -8864,7 +8847,7 @@
           </a:lstStyle>
           <a:p>
             <a:r>
-              <a:rPr lang="en-US" smtClean="0"/>
+              <a:rPr lang="en-US"/>
               <a:t>Click to edit Master title style</a:t>
             </a:r>
             <a:endParaRPr lang="en-US" dirty="0"/>
@@ -8984,7 +8967,7 @@
           </a:lstStyle>
           <a:p>
             <a:r>
-              <a:rPr lang="en-US" smtClean="0"/>
+              <a:rPr lang="en-US"/>
               <a:t>Click to edit Master subtitle style</a:t>
             </a:r>
             <a:endParaRPr lang="en-US" dirty="0"/>
@@ -9023,7 +9006,7 @@
           <a:p>
             <a:fld id="{13EE6EA9-94EB-467A-8904-40982A8E057B}" type="datetimeFigureOut">
               <a:rPr lang="en-US" smtClean="0"/>
-              <a:t>1/12/2023</a:t>
+              <a:t>9/18/2024</a:t>
             </a:fld>
             <a:endParaRPr lang="en-US"/>
           </a:p>
@@ -9934,7 +9917,7 @@
           </a:lstStyle>
           <a:p>
             <a:r>
-              <a:rPr lang="en-US" smtClean="0"/>
+              <a:rPr lang="en-US"/>
               <a:t>Click to edit Master title style</a:t>
             </a:r>
             <a:endParaRPr lang="en-US" dirty="0"/>
@@ -10013,7 +9996,7 @@
           </a:lstStyle>
           <a:p>
             <a:r>
-              <a:rPr lang="en-US" smtClean="0"/>
+              <a:rPr lang="en-US"/>
               <a:t>Click icon to add picture</a:t>
             </a:r>
             <a:endParaRPr lang="en-US" dirty="0"/>
@@ -10088,7 +10071,7 @@
           <a:p>
             <a:pPr lvl="0"/>
             <a:r>
-              <a:rPr lang="en-US" smtClean="0"/>
+              <a:rPr lang="en-US"/>
               <a:t>Edit Master text styles</a:t>
             </a:r>
           </a:p>
@@ -10111,7 +10094,7 @@
           <a:p>
             <a:fld id="{13EE6EA9-94EB-467A-8904-40982A8E057B}" type="datetimeFigureOut">
               <a:rPr lang="en-US" smtClean="0"/>
-              <a:t>1/12/2023</a:t>
+              <a:t>9/18/2024</a:t>
             </a:fld>
             <a:endParaRPr lang="en-US"/>
           </a:p>
@@ -11000,7 +10983,7 @@
           </a:lstStyle>
           <a:p>
             <a:r>
-              <a:rPr lang="en-US" smtClean="0"/>
+              <a:rPr lang="en-US"/>
               <a:t>Click to edit Master title style</a:t>
             </a:r>
             <a:endParaRPr lang="en-US" dirty="0"/>
@@ -11068,7 +11051,7 @@
           <a:p>
             <a:pPr lvl="0"/>
             <a:r>
-              <a:rPr lang="en-US" smtClean="0"/>
+              <a:rPr lang="en-US"/>
               <a:t>Edit Master text styles</a:t>
             </a:r>
           </a:p>
@@ -11091,7 +11074,7 @@
           <a:p>
             <a:fld id="{13EE6EA9-94EB-467A-8904-40982A8E057B}" type="datetimeFigureOut">
               <a:rPr lang="en-US" smtClean="0"/>
-              <a:t>1/12/2023</a:t>
+              <a:t>9/18/2024</a:t>
             </a:fld>
             <a:endParaRPr lang="en-US"/>
           </a:p>
@@ -12058,7 +12041,7 @@
           </a:lstStyle>
           <a:p>
             <a:r>
-              <a:rPr lang="en-US" smtClean="0"/>
+              <a:rPr lang="en-US"/>
               <a:t>Click to edit Master title style</a:t>
             </a:r>
             <a:endParaRPr lang="en-US" dirty="0"/>
@@ -12135,7 +12118,7 @@
           <a:p>
             <a:pPr lvl="0"/>
             <a:r>
-              <a:rPr lang="en-US" smtClean="0"/>
+              <a:rPr lang="en-US"/>
               <a:t>Edit Master text styles</a:t>
             </a:r>
           </a:p>
@@ -12202,7 +12185,7 @@
           <a:p>
             <a:pPr lvl="0"/>
             <a:r>
-              <a:rPr lang="en-US" smtClean="0"/>
+              <a:rPr lang="en-US"/>
               <a:t>Edit Master text styles</a:t>
             </a:r>
           </a:p>
@@ -12225,7 +12208,7 @@
           <a:p>
             <a:fld id="{13EE6EA9-94EB-467A-8904-40982A8E057B}" type="datetimeFigureOut">
               <a:rPr lang="en-US" smtClean="0"/>
-              <a:t>1/12/2023</a:t>
+              <a:t>9/18/2024</a:t>
             </a:fld>
             <a:endParaRPr lang="en-US"/>
           </a:p>
@@ -13114,7 +13097,7 @@
           </a:lstStyle>
           <a:p>
             <a:r>
-              <a:rPr lang="en-US" smtClean="0"/>
+              <a:rPr lang="en-US"/>
               <a:t>Click to edit Master title style</a:t>
             </a:r>
             <a:endParaRPr lang="en-US" dirty="0"/>
@@ -13235,7 +13218,7 @@
           <a:p>
             <a:pPr lvl="0"/>
             <a:r>
-              <a:rPr lang="en-US" smtClean="0"/>
+              <a:rPr lang="en-US"/>
               <a:t>Edit Master text styles</a:t>
             </a:r>
           </a:p>
@@ -13258,7 +13241,7 @@
           <a:p>
             <a:fld id="{13EE6EA9-94EB-467A-8904-40982A8E057B}" type="datetimeFigureOut">
               <a:rPr lang="en-US" smtClean="0"/>
-              <a:t>1/12/2023</a:t>
+              <a:t>9/18/2024</a:t>
             </a:fld>
             <a:endParaRPr lang="en-US"/>
           </a:p>
@@ -13397,7 +13380,7 @@
           </a:lstStyle>
           <a:p>
             <a:r>
-              <a:rPr lang="en-US" smtClean="0"/>
+              <a:rPr lang="en-US"/>
               <a:t>Click to edit Master title style</a:t>
             </a:r>
             <a:endParaRPr lang="en-US" dirty="0"/>
@@ -13472,7 +13455,7 @@
           <a:p>
             <a:pPr lvl="0"/>
             <a:r>
-              <a:rPr lang="en-US" smtClean="0"/>
+              <a:rPr lang="en-US"/>
               <a:t>Edit Master text styles</a:t>
             </a:r>
           </a:p>
@@ -13539,7 +13522,7 @@
           <a:p>
             <a:pPr lvl="0"/>
             <a:r>
-              <a:rPr lang="en-US" smtClean="0"/>
+              <a:rPr lang="en-US"/>
               <a:t>Edit Master text styles</a:t>
             </a:r>
           </a:p>
@@ -13613,7 +13596,7 @@
           <a:p>
             <a:pPr lvl="0"/>
             <a:r>
-              <a:rPr lang="en-US" smtClean="0"/>
+              <a:rPr lang="en-US"/>
               <a:t>Edit Master text styles</a:t>
             </a:r>
           </a:p>
@@ -13680,7 +13663,7 @@
           <a:p>
             <a:pPr lvl="0"/>
             <a:r>
-              <a:rPr lang="en-US" smtClean="0"/>
+              <a:rPr lang="en-US"/>
               <a:t>Edit Master text styles</a:t>
             </a:r>
           </a:p>
@@ -13754,7 +13737,7 @@
           <a:p>
             <a:pPr lvl="0"/>
             <a:r>
-              <a:rPr lang="en-US" smtClean="0"/>
+              <a:rPr lang="en-US"/>
               <a:t>Edit Master text styles</a:t>
             </a:r>
           </a:p>
@@ -13821,7 +13804,7 @@
           <a:p>
             <a:pPr lvl="0"/>
             <a:r>
-              <a:rPr lang="en-US" smtClean="0"/>
+              <a:rPr lang="en-US"/>
               <a:t>Edit Master text styles</a:t>
             </a:r>
           </a:p>
@@ -13918,7 +13901,7 @@
           <a:p>
             <a:fld id="{13EE6EA9-94EB-467A-8904-40982A8E057B}" type="datetimeFigureOut">
               <a:rPr lang="en-US" smtClean="0"/>
-              <a:t>1/12/2023</a:t>
+              <a:t>9/18/2024</a:t>
             </a:fld>
             <a:endParaRPr lang="en-US"/>
           </a:p>
@@ -14021,7 +14004,7 @@
           </a:lstStyle>
           <a:p>
             <a:r>
-              <a:rPr lang="en-US" smtClean="0"/>
+              <a:rPr lang="en-US"/>
               <a:t>Click to edit Master title style</a:t>
             </a:r>
             <a:endParaRPr lang="en-US" dirty="0"/>
@@ -14096,7 +14079,7 @@
           <a:p>
             <a:pPr lvl="0"/>
             <a:r>
-              <a:rPr lang="en-US" smtClean="0"/>
+              <a:rPr lang="en-US"/>
               <a:t>Edit Master text styles</a:t>
             </a:r>
           </a:p>
@@ -14174,7 +14157,7 @@
           </a:lstStyle>
           <a:p>
             <a:r>
-              <a:rPr lang="en-US" smtClean="0"/>
+              <a:rPr lang="en-US"/>
               <a:t>Click icon to add picture</a:t>
             </a:r>
             <a:endParaRPr lang="en-US" dirty="0"/>
@@ -14242,7 +14225,7 @@
           <a:p>
             <a:pPr lvl="0"/>
             <a:r>
-              <a:rPr lang="en-US" smtClean="0"/>
+              <a:rPr lang="en-US"/>
               <a:t>Edit Master text styles</a:t>
             </a:r>
           </a:p>
@@ -14316,7 +14299,7 @@
           <a:p>
             <a:pPr lvl="0"/>
             <a:r>
-              <a:rPr lang="en-US" smtClean="0"/>
+              <a:rPr lang="en-US"/>
               <a:t>Edit Master text styles</a:t>
             </a:r>
           </a:p>
@@ -14394,7 +14377,7 @@
           </a:lstStyle>
           <a:p>
             <a:r>
-              <a:rPr lang="en-US" smtClean="0"/>
+              <a:rPr lang="en-US"/>
               <a:t>Click icon to add picture</a:t>
             </a:r>
             <a:endParaRPr lang="en-US" dirty="0"/>
@@ -14462,7 +14445,7 @@
           <a:p>
             <a:pPr lvl="0"/>
             <a:r>
-              <a:rPr lang="en-US" smtClean="0"/>
+              <a:rPr lang="en-US"/>
               <a:t>Edit Master text styles</a:t>
             </a:r>
           </a:p>
@@ -14536,7 +14519,7 @@
           <a:p>
             <a:pPr lvl="0"/>
             <a:r>
-              <a:rPr lang="en-US" smtClean="0"/>
+              <a:rPr lang="en-US"/>
               <a:t>Edit Master text styles</a:t>
             </a:r>
           </a:p>
@@ -14614,7 +14597,7 @@
           </a:lstStyle>
           <a:p>
             <a:r>
-              <a:rPr lang="en-US" smtClean="0"/>
+              <a:rPr lang="en-US"/>
               <a:t>Click icon to add picture</a:t>
             </a:r>
             <a:endParaRPr lang="en-US" dirty="0"/>
@@ -14682,7 +14665,7 @@
           <a:p>
             <a:pPr lvl="0"/>
             <a:r>
-              <a:rPr lang="en-US" smtClean="0"/>
+              <a:rPr lang="en-US"/>
               <a:t>Edit Master text styles</a:t>
             </a:r>
           </a:p>
@@ -14779,7 +14762,7 @@
           <a:p>
             <a:fld id="{13EE6EA9-94EB-467A-8904-40982A8E057B}" type="datetimeFigureOut">
               <a:rPr lang="en-US" smtClean="0"/>
-              <a:t>1/12/2023</a:t>
+              <a:t>9/18/2024</a:t>
             </a:fld>
             <a:endParaRPr lang="en-US"/>
           </a:p>
@@ -14883,7 +14866,7 @@
           <a:lstStyle/>
           <a:p>
             <a:r>
-              <a:rPr lang="en-US" smtClean="0"/>
+              <a:rPr lang="en-US"/>
               <a:t>Click to edit Master title style</a:t>
             </a:r>
             <a:endParaRPr lang="en-US" dirty="0"/>
@@ -14912,35 +14895,35 @@
           <a:p>
             <a:pPr lvl="0"/>
             <a:r>
-              <a:rPr lang="en-US" smtClean="0"/>
+              <a:rPr lang="en-US"/>
               <a:t>Edit Master text styles</a:t>
             </a:r>
           </a:p>
           <a:p>
             <a:pPr lvl="1"/>
             <a:r>
-              <a:rPr lang="en-US" smtClean="0"/>
+              <a:rPr lang="en-US"/>
               <a:t>Second level</a:t>
             </a:r>
           </a:p>
           <a:p>
             <a:pPr lvl="2"/>
             <a:r>
-              <a:rPr lang="en-US" smtClean="0"/>
+              <a:rPr lang="en-US"/>
               <a:t>Third level</a:t>
             </a:r>
           </a:p>
           <a:p>
             <a:pPr lvl="3"/>
             <a:r>
-              <a:rPr lang="en-US" smtClean="0"/>
+              <a:rPr lang="en-US"/>
               <a:t>Fourth level</a:t>
             </a:r>
           </a:p>
           <a:p>
             <a:pPr lvl="4"/>
             <a:r>
-              <a:rPr lang="en-US" smtClean="0"/>
+              <a:rPr lang="en-US"/>
               <a:t>Fifth level</a:t>
             </a:r>
             <a:endParaRPr lang="en-US" dirty="0"/>
@@ -14969,7 +14952,7 @@
           <a:p>
             <a:fld id="{13EE6EA9-94EB-467A-8904-40982A8E057B}" type="datetimeFigureOut">
               <a:rPr lang="en-US" smtClean="0"/>
-              <a:t>1/12/2023</a:t>
+              <a:t>9/18/2024</a:t>
             </a:fld>
             <a:endParaRPr lang="en-US"/>
           </a:p>
@@ -15855,7 +15838,7 @@
           <a:lstStyle/>
           <a:p>
             <a:r>
-              <a:rPr lang="en-US" smtClean="0"/>
+              <a:rPr lang="en-US"/>
               <a:t>Click to edit Master title style</a:t>
             </a:r>
             <a:endParaRPr lang="en-US" dirty="0"/>
@@ -15884,35 +15867,35 @@
           <a:p>
             <a:pPr lvl="0"/>
             <a:r>
-              <a:rPr lang="en-US" smtClean="0"/>
+              <a:rPr lang="en-US"/>
               <a:t>Edit Master text styles</a:t>
             </a:r>
           </a:p>
           <a:p>
             <a:pPr lvl="1"/>
             <a:r>
-              <a:rPr lang="en-US" smtClean="0"/>
+              <a:rPr lang="en-US"/>
               <a:t>Second level</a:t>
             </a:r>
           </a:p>
           <a:p>
             <a:pPr lvl="2"/>
             <a:r>
-              <a:rPr lang="en-US" smtClean="0"/>
+              <a:rPr lang="en-US"/>
               <a:t>Third level</a:t>
             </a:r>
           </a:p>
           <a:p>
             <a:pPr lvl="3"/>
             <a:r>
-              <a:rPr lang="en-US" smtClean="0"/>
+              <a:rPr lang="en-US"/>
               <a:t>Fourth level</a:t>
             </a:r>
           </a:p>
           <a:p>
             <a:pPr lvl="4"/>
             <a:r>
-              <a:rPr lang="en-US" smtClean="0"/>
+              <a:rPr lang="en-US"/>
               <a:t>Fifth level</a:t>
             </a:r>
             <a:endParaRPr lang="en-US" dirty="0"/>
@@ -15941,7 +15924,7 @@
           <a:p>
             <a:fld id="{13EE6EA9-94EB-467A-8904-40982A8E057B}" type="datetimeFigureOut">
               <a:rPr lang="en-US" smtClean="0"/>
-              <a:t>1/12/2023</a:t>
+              <a:t>9/18/2024</a:t>
             </a:fld>
             <a:endParaRPr lang="en-US"/>
           </a:p>
@@ -16071,7 +16054,7 @@
           <a:lstStyle/>
           <a:p>
             <a:r>
-              <a:rPr lang="en-US" smtClean="0"/>
+              <a:rPr lang="en-US"/>
               <a:t>Click to edit Master title style</a:t>
             </a:r>
             <a:endParaRPr lang="en-US" dirty="0"/>
@@ -16100,35 +16083,35 @@
           <a:p>
             <a:pPr lvl="0"/>
             <a:r>
-              <a:rPr lang="en-US" smtClean="0"/>
+              <a:rPr lang="en-US"/>
               <a:t>Edit Master text styles</a:t>
             </a:r>
           </a:p>
           <a:p>
             <a:pPr lvl="1"/>
             <a:r>
-              <a:rPr lang="en-US" smtClean="0"/>
+              <a:rPr lang="en-US"/>
               <a:t>Second level</a:t>
             </a:r>
           </a:p>
           <a:p>
             <a:pPr lvl="2"/>
             <a:r>
-              <a:rPr lang="en-US" smtClean="0"/>
+              <a:rPr lang="en-US"/>
               <a:t>Third level</a:t>
             </a:r>
           </a:p>
           <a:p>
             <a:pPr lvl="3"/>
             <a:r>
-              <a:rPr lang="en-US" smtClean="0"/>
+              <a:rPr lang="en-US"/>
               <a:t>Fourth level</a:t>
             </a:r>
           </a:p>
           <a:p>
             <a:pPr lvl="4"/>
             <a:r>
-              <a:rPr lang="en-US" smtClean="0"/>
+              <a:rPr lang="en-US"/>
               <a:t>Fifth level</a:t>
             </a:r>
             <a:endParaRPr lang="en-US" dirty="0"/>
@@ -16152,7 +16135,7 @@
           <a:p>
             <a:fld id="{13EE6EA9-94EB-467A-8904-40982A8E057B}" type="datetimeFigureOut">
               <a:rPr lang="en-US" smtClean="0"/>
-              <a:t>1/12/2023</a:t>
+              <a:t>9/18/2024</a:t>
             </a:fld>
             <a:endParaRPr lang="en-US"/>
           </a:p>
@@ -17042,7 +17025,7 @@
           </a:lstStyle>
           <a:p>
             <a:r>
-              <a:rPr lang="en-US" smtClean="0"/>
+              <a:rPr lang="en-US"/>
               <a:t>Click to edit Master title style</a:t>
             </a:r>
             <a:endParaRPr lang="en-US" dirty="0"/>
@@ -17163,7 +17146,7 @@
           <a:p>
             <a:pPr lvl="0"/>
             <a:r>
-              <a:rPr lang="en-US" smtClean="0"/>
+              <a:rPr lang="en-US"/>
               <a:t>Edit Master text styles</a:t>
             </a:r>
           </a:p>
@@ -17186,7 +17169,7 @@
           <a:p>
             <a:fld id="{13EE6EA9-94EB-467A-8904-40982A8E057B}" type="datetimeFigureOut">
               <a:rPr lang="en-US" smtClean="0"/>
-              <a:t>1/12/2023</a:t>
+              <a:t>9/18/2024</a:t>
             </a:fld>
             <a:endParaRPr lang="en-US"/>
           </a:p>
@@ -17316,7 +17299,7 @@
           <a:lstStyle/>
           <a:p>
             <a:r>
-              <a:rPr lang="en-US" smtClean="0"/>
+              <a:rPr lang="en-US"/>
               <a:t>Click to edit Master title style</a:t>
             </a:r>
             <a:endParaRPr lang="en-US" dirty="0"/>
@@ -17347,35 +17330,35 @@
           <a:p>
             <a:pPr lvl="0"/>
             <a:r>
-              <a:rPr lang="en-US" smtClean="0"/>
+              <a:rPr lang="en-US"/>
               <a:t>Edit Master text styles</a:t>
             </a:r>
           </a:p>
           <a:p>
             <a:pPr lvl="1"/>
             <a:r>
-              <a:rPr lang="en-US" smtClean="0"/>
+              <a:rPr lang="en-US"/>
               <a:t>Second level</a:t>
             </a:r>
           </a:p>
           <a:p>
             <a:pPr lvl="2"/>
             <a:r>
-              <a:rPr lang="en-US" smtClean="0"/>
+              <a:rPr lang="en-US"/>
               <a:t>Third level</a:t>
             </a:r>
           </a:p>
           <a:p>
             <a:pPr lvl="3"/>
             <a:r>
-              <a:rPr lang="en-US" smtClean="0"/>
+              <a:rPr lang="en-US"/>
               <a:t>Fourth level</a:t>
             </a:r>
           </a:p>
           <a:p>
             <a:pPr lvl="4"/>
             <a:r>
-              <a:rPr lang="en-US" smtClean="0"/>
+              <a:rPr lang="en-US"/>
               <a:t>Fifth level</a:t>
             </a:r>
             <a:endParaRPr lang="en-US" dirty="0"/>
@@ -17406,35 +17389,35 @@
           <a:p>
             <a:pPr lvl="0"/>
             <a:r>
-              <a:rPr lang="en-US" smtClean="0"/>
+              <a:rPr lang="en-US"/>
               <a:t>Edit Master text styles</a:t>
             </a:r>
           </a:p>
           <a:p>
             <a:pPr lvl="1"/>
             <a:r>
-              <a:rPr lang="en-US" smtClean="0"/>
+              <a:rPr lang="en-US"/>
               <a:t>Second level</a:t>
             </a:r>
           </a:p>
           <a:p>
             <a:pPr lvl="2"/>
             <a:r>
-              <a:rPr lang="en-US" smtClean="0"/>
+              <a:rPr lang="en-US"/>
               <a:t>Third level</a:t>
             </a:r>
           </a:p>
           <a:p>
             <a:pPr lvl="3"/>
             <a:r>
-              <a:rPr lang="en-US" smtClean="0"/>
+              <a:rPr lang="en-US"/>
               <a:t>Fourth level</a:t>
             </a:r>
           </a:p>
           <a:p>
             <a:pPr lvl="4"/>
             <a:r>
-              <a:rPr lang="en-US" smtClean="0"/>
+              <a:rPr lang="en-US"/>
               <a:t>Fifth level</a:t>
             </a:r>
             <a:endParaRPr lang="en-US" dirty="0"/>
@@ -17458,7 +17441,7 @@
           <a:p>
             <a:fld id="{13EE6EA9-94EB-467A-8904-40982A8E057B}" type="datetimeFigureOut">
               <a:rPr lang="en-US" smtClean="0"/>
-              <a:t>1/12/2023</a:t>
+              <a:t>9/18/2024</a:t>
             </a:fld>
             <a:endParaRPr lang="en-US"/>
           </a:p>
@@ -17556,7 +17539,7 @@
           </a:lstStyle>
           <a:p>
             <a:r>
-              <a:rPr lang="en-US" smtClean="0"/>
+              <a:rPr lang="en-US"/>
               <a:t>Click to edit Master title style</a:t>
             </a:r>
             <a:endParaRPr lang="en-US" dirty="0"/>
@@ -17628,7 +17611,7 @@
           <a:p>
             <a:pPr lvl="0"/>
             <a:r>
-              <a:rPr lang="en-US" smtClean="0"/>
+              <a:rPr lang="en-US"/>
               <a:t>Edit Master text styles</a:t>
             </a:r>
           </a:p>
@@ -17658,35 +17641,35 @@
           <a:p>
             <a:pPr lvl="0"/>
             <a:r>
-              <a:rPr lang="en-US" smtClean="0"/>
+              <a:rPr lang="en-US"/>
               <a:t>Edit Master text styles</a:t>
             </a:r>
           </a:p>
           <a:p>
             <a:pPr lvl="1"/>
             <a:r>
-              <a:rPr lang="en-US" smtClean="0"/>
+              <a:rPr lang="en-US"/>
               <a:t>Second level</a:t>
             </a:r>
           </a:p>
           <a:p>
             <a:pPr lvl="2"/>
             <a:r>
-              <a:rPr lang="en-US" smtClean="0"/>
+              <a:rPr lang="en-US"/>
               <a:t>Third level</a:t>
             </a:r>
           </a:p>
           <a:p>
             <a:pPr lvl="3"/>
             <a:r>
-              <a:rPr lang="en-US" smtClean="0"/>
+              <a:rPr lang="en-US"/>
               <a:t>Fourth level</a:t>
             </a:r>
           </a:p>
           <a:p>
             <a:pPr lvl="4"/>
             <a:r>
-              <a:rPr lang="en-US" smtClean="0"/>
+              <a:rPr lang="en-US"/>
               <a:t>Fifth level</a:t>
             </a:r>
             <a:endParaRPr lang="en-US" dirty="0"/>
@@ -17758,7 +17741,7 @@
           <a:p>
             <a:pPr lvl="0"/>
             <a:r>
-              <a:rPr lang="en-US" smtClean="0"/>
+              <a:rPr lang="en-US"/>
               <a:t>Edit Master text styles</a:t>
             </a:r>
           </a:p>
@@ -17816,35 +17799,35 @@
           <a:p>
             <a:pPr lvl="0"/>
             <a:r>
-              <a:rPr lang="en-US" smtClean="0"/>
+              <a:rPr lang="en-US"/>
               <a:t>Edit Master text styles</a:t>
             </a:r>
           </a:p>
           <a:p>
             <a:pPr lvl="1"/>
             <a:r>
-              <a:rPr lang="en-US" smtClean="0"/>
+              <a:rPr lang="en-US"/>
               <a:t>Second level</a:t>
             </a:r>
           </a:p>
           <a:p>
             <a:pPr lvl="2"/>
             <a:r>
-              <a:rPr lang="en-US" smtClean="0"/>
+              <a:rPr lang="en-US"/>
               <a:t>Third level</a:t>
             </a:r>
           </a:p>
           <a:p>
             <a:pPr lvl="3"/>
             <a:r>
-              <a:rPr lang="en-US" smtClean="0"/>
+              <a:rPr lang="en-US"/>
               <a:t>Fourth level</a:t>
             </a:r>
           </a:p>
           <a:p>
             <a:pPr lvl="4"/>
             <a:r>
-              <a:rPr lang="en-US" smtClean="0"/>
+              <a:rPr lang="en-US"/>
               <a:t>Fifth level</a:t>
             </a:r>
             <a:endParaRPr lang="en-US" dirty="0"/>
@@ -17868,7 +17851,7 @@
           <a:p>
             <a:fld id="{13EE6EA9-94EB-467A-8904-40982A8E057B}" type="datetimeFigureOut">
               <a:rPr lang="en-US" smtClean="0"/>
-              <a:t>1/12/2023</a:t>
+              <a:t>9/18/2024</a:t>
             </a:fld>
             <a:endParaRPr lang="en-US"/>
           </a:p>
@@ -17971,7 +17954,7 @@
           </a:lstStyle>
           <a:p>
             <a:r>
-              <a:rPr lang="en-US" smtClean="0"/>
+              <a:rPr lang="en-US"/>
               <a:t>Click to edit Master title style</a:t>
             </a:r>
             <a:endParaRPr lang="en-US" dirty="0"/>
@@ -17995,7 +17978,7 @@
           <a:p>
             <a:fld id="{13EE6EA9-94EB-467A-8904-40982A8E057B}" type="datetimeFigureOut">
               <a:rPr lang="en-US" smtClean="0"/>
-              <a:t>1/12/2023</a:t>
+              <a:t>9/18/2024</a:t>
             </a:fld>
             <a:endParaRPr lang="en-US"/>
           </a:p>
@@ -18090,7 +18073,7 @@
           <a:p>
             <a:fld id="{13EE6EA9-94EB-467A-8904-40982A8E057B}" type="datetimeFigureOut">
               <a:rPr lang="en-US" smtClean="0"/>
-              <a:t>1/12/2023</a:t>
+              <a:t>9/18/2024</a:t>
             </a:fld>
             <a:endParaRPr lang="en-US"/>
           </a:p>
@@ -19016,7 +18999,7 @@
           </a:lstStyle>
           <a:p>
             <a:r>
-              <a:rPr lang="en-US" smtClean="0"/>
+              <a:rPr lang="en-US"/>
               <a:t>Click to edit Master title style</a:t>
             </a:r>
             <a:endParaRPr lang="en-US" dirty="0"/>
@@ -19047,35 +19030,35 @@
           <a:p>
             <a:pPr lvl="0"/>
             <a:r>
-              <a:rPr lang="en-US" smtClean="0"/>
+              <a:rPr lang="en-US"/>
               <a:t>Edit Master text styles</a:t>
             </a:r>
           </a:p>
           <a:p>
             <a:pPr lvl="1"/>
             <a:r>
-              <a:rPr lang="en-US" smtClean="0"/>
+              <a:rPr lang="en-US"/>
               <a:t>Second level</a:t>
             </a:r>
           </a:p>
           <a:p>
             <a:pPr lvl="2"/>
             <a:r>
-              <a:rPr lang="en-US" smtClean="0"/>
+              <a:rPr lang="en-US"/>
               <a:t>Third level</a:t>
             </a:r>
           </a:p>
           <a:p>
             <a:pPr lvl="3"/>
             <a:r>
-              <a:rPr lang="en-US" smtClean="0"/>
+              <a:rPr lang="en-US"/>
               <a:t>Fourth level</a:t>
             </a:r>
           </a:p>
           <a:p>
             <a:pPr lvl="4"/>
             <a:r>
-              <a:rPr lang="en-US" smtClean="0"/>
+              <a:rPr lang="en-US"/>
               <a:t>Fifth level</a:t>
             </a:r>
             <a:endParaRPr lang="en-US" dirty="0"/>
@@ -19148,7 +19131,7 @@
           <a:p>
             <a:pPr lvl="0"/>
             <a:r>
-              <a:rPr lang="en-US" smtClean="0"/>
+              <a:rPr lang="en-US"/>
               <a:t>Edit Master text styles</a:t>
             </a:r>
           </a:p>
@@ -19171,7 +19154,7 @@
           <a:p>
             <a:fld id="{13EE6EA9-94EB-467A-8904-40982A8E057B}" type="datetimeFigureOut">
               <a:rPr lang="en-US" smtClean="0"/>
-              <a:t>1/12/2023</a:t>
+              <a:t>9/18/2024</a:t>
             </a:fld>
             <a:endParaRPr lang="en-US"/>
           </a:p>
@@ -20099,7 +20082,7 @@
           </a:lstStyle>
           <a:p>
             <a:r>
-              <a:rPr lang="en-US" smtClean="0"/>
+              <a:rPr lang="en-US"/>
               <a:t>Click to edit Master title style</a:t>
             </a:r>
             <a:endParaRPr lang="en-US" dirty="0"/>
@@ -20181,7 +20164,7 @@
               <a:buNone/>
             </a:pPr>
             <a:r>
-              <a:rPr lang="en-US" smtClean="0"/>
+              <a:rPr lang="en-US"/>
               <a:t>Click icon to add picture</a:t>
             </a:r>
             <a:endParaRPr lang="en-US" dirty="0"/>
@@ -20256,7 +20239,7 @@
           <a:p>
             <a:pPr lvl="0"/>
             <a:r>
-              <a:rPr lang="en-US" smtClean="0"/>
+              <a:rPr lang="en-US"/>
               <a:t>Edit Master text styles</a:t>
             </a:r>
           </a:p>
@@ -20279,7 +20262,7 @@
           <a:p>
             <a:fld id="{13EE6EA9-94EB-467A-8904-40982A8E057B}" type="datetimeFigureOut">
               <a:rPr lang="en-US" smtClean="0"/>
-              <a:t>1/12/2023</a:t>
+              <a:t>9/18/2024</a:t>
             </a:fld>
             <a:endParaRPr lang="en-US"/>
           </a:p>
@@ -21174,7 +21157,7 @@
           <a:lstStyle/>
           <a:p>
             <a:r>
-              <a:rPr lang="en-US" smtClean="0"/>
+              <a:rPr lang="en-US"/>
               <a:t>Click to edit Master title style</a:t>
             </a:r>
             <a:endParaRPr lang="en-US" dirty="0"/>
@@ -21208,35 +21191,35 @@
           <a:p>
             <a:pPr lvl="0"/>
             <a:r>
-              <a:rPr lang="en-US" smtClean="0"/>
+              <a:rPr lang="en-US"/>
               <a:t>Edit Master text styles</a:t>
             </a:r>
           </a:p>
           <a:p>
             <a:pPr lvl="1"/>
             <a:r>
-              <a:rPr lang="en-US" smtClean="0"/>
+              <a:rPr lang="en-US"/>
               <a:t>Second level</a:t>
             </a:r>
           </a:p>
           <a:p>
             <a:pPr lvl="2"/>
             <a:r>
-              <a:rPr lang="en-US" smtClean="0"/>
+              <a:rPr lang="en-US"/>
               <a:t>Third level</a:t>
             </a:r>
           </a:p>
           <a:p>
             <a:pPr lvl="3"/>
             <a:r>
-              <a:rPr lang="en-US" smtClean="0"/>
+              <a:rPr lang="en-US"/>
               <a:t>Fourth level</a:t>
             </a:r>
           </a:p>
           <a:p>
             <a:pPr lvl="4"/>
             <a:r>
-              <a:rPr lang="en-US" smtClean="0"/>
+              <a:rPr lang="en-US"/>
               <a:t>Fifth level</a:t>
             </a:r>
             <a:endParaRPr lang="en-US" dirty="0"/>
@@ -21276,7 +21259,7 @@
           <a:p>
             <a:fld id="{13EE6EA9-94EB-467A-8904-40982A8E057B}" type="datetimeFigureOut">
               <a:rPr lang="en-US" smtClean="0"/>
-              <a:t>1/12/2023</a:t>
+              <a:t>9/18/2024</a:t>
             </a:fld>
             <a:endParaRPr lang="en-US"/>
           </a:p>
@@ -21892,49 +21875,41 @@
       </p:sp>
       <p:sp>
         <p:nvSpPr>
-          <p:cNvPr id="9" name="Rectangle 8">
+          <p:cNvPr id="2" name="TextBox 1">
             <a:extLst>
               <a:ext uri="{FF2B5EF4-FFF2-40B4-BE49-F238E27FC236}">
-                <a16:creationId xmlns:a16="http://schemas.microsoft.com/office/drawing/2014/main" id="{B7B9D66B-AADF-4CF1-876D-9D1F86554CAC}"/>
+                <a16:creationId xmlns:a16="http://schemas.microsoft.com/office/drawing/2014/main" id="{84836199-7055-45FE-3A6D-81A7434EDF39}"/>
               </a:ext>
             </a:extLst>
           </p:cNvPr>
-          <p:cNvSpPr/>
+          <p:cNvSpPr txBox="1"/>
           <p:nvPr/>
         </p:nvSpPr>
         <p:spPr>
           <a:xfrm>
-            <a:off x="499291" y="4259996"/>
-            <a:ext cx="11193416" cy="553998"/>
+            <a:off x="9564624" y="5224796"/>
+            <a:ext cx="2039112" cy="369332"/>
           </a:xfrm>
           <a:prstGeom prst="rect">
             <a:avLst/>
           </a:prstGeom>
+          <a:noFill/>
         </p:spPr>
         <p:txBody>
-          <a:bodyPr wrap="square" lIns="0" tIns="0" rIns="0" bIns="0">
+          <a:bodyPr wrap="square" rtlCol="0">
             <a:spAutoFit/>
           </a:bodyPr>
           <a:lstStyle/>
           <a:p>
             <a:pPr algn="ctr"/>
             <a:r>
-              <a:rPr lang="en-US" sz="3600" b="1" i="0" u="sng" dirty="0" smtClean="0">
+              <a:rPr lang="en-IN" b="1" dirty="0">
                 <a:solidFill>
                   <a:schemeClr val="bg1"/>
                 </a:solidFill>
-                <a:effectLst/>
-                <a:latin typeface="Segoe UI" panose="020B0502040204020203" pitchFamily="34" charset="0"/>
               </a:rPr>
-              <a:t>SHIVAM SINGH</a:t>
+              <a:t>Kandan S</a:t>
             </a:r>
-            <a:endParaRPr lang="en-US" sz="3600" b="1" u="sng" dirty="0">
-              <a:solidFill>
-                <a:schemeClr val="bg1"/>
-              </a:solidFill>
-              <a:latin typeface="Segoe UI Light" panose="020B0502040204020203" pitchFamily="34" charset="0"/>
-              <a:cs typeface="Segoe UI Light" panose="020B0502040204020203" pitchFamily="34" charset="0"/>
-            </a:endParaRPr>
           </a:p>
         </p:txBody>
       </p:sp>
@@ -22135,16 +22110,6 @@
             </a:r>
           </a:p>
           <a:p>
-            <a:r>
-              <a:rPr lang="en-US" b="0" i="0" dirty="0">
-                <a:solidFill>
-                  <a:srgbClr val="252423"/>
-                </a:solidFill>
-                <a:effectLst/>
-                <a:latin typeface="Segoe UI" panose="020B0502040204020203" pitchFamily="34" charset="0"/>
-              </a:rPr>
-              <a:t/>
-            </a:r>
             <a:br>
               <a:rPr lang="en-US" b="0" i="0" dirty="0">
                 <a:solidFill>
@@ -22202,7 +22167,7 @@
                 <a16:creationId xmlns:a16="http://schemas.microsoft.com/office/drawing/2014/main" id="{865C4A2A-3BA4-455B-B2F0-EE678D627B82}"/>
               </a:ext>
               <a:ext uri="{C183D7F6-B498-43B3-948B-1728B52AA6E4}">
-                <adec:decorative xmlns:adec="http://schemas.microsoft.com/office/drawing/2017/decorative" xmlns="" val="1"/>
+                <adec:decorative xmlns:adec="http://schemas.microsoft.com/office/drawing/2017/decorative" val="1"/>
               </a:ext>
             </a:extLst>
           </p:cNvPr>
@@ -22754,16 +22719,6 @@
           </a:bodyPr>
           <a:lstStyle/>
           <a:p>
-            <a:r>
-              <a:rPr lang="en-US" b="0" i="0" dirty="0">
-                <a:solidFill>
-                  <a:srgbClr val="252423"/>
-                </a:solidFill>
-                <a:effectLst/>
-                <a:latin typeface="Segoe UI" panose="020B0502040204020203" pitchFamily="34" charset="0"/>
-              </a:rPr>
-              <a:t/>
-            </a:r>
             <a:br>
               <a:rPr lang="en-US" b="0" i="0" dirty="0">
                 <a:solidFill>
@@ -22791,16 +22746,6 @@
                 <a:latin typeface="Segoe UI" panose="020B0502040204020203" pitchFamily="34" charset="0"/>
               </a:rPr>
               <a:t>A quick insight for 2017 | 2018 | 2019 amazon sales. </a:t>
-            </a:r>
-            <a:r>
-              <a:rPr lang="en-US" b="0" i="0" dirty="0">
-                <a:solidFill>
-                  <a:srgbClr val="252423"/>
-                </a:solidFill>
-                <a:effectLst/>
-                <a:latin typeface="Segoe UI" panose="020B0502040204020203" pitchFamily="34" charset="0"/>
-              </a:rPr>
-              <a:t/>
             </a:r>
             <a:br>
               <a:rPr lang="en-US" b="0" i="0" dirty="0">
@@ -23475,16 +23420,6 @@
           </a:bodyPr>
           <a:lstStyle/>
           <a:p>
-            <a:r>
-              <a:rPr lang="en-US" b="0" i="0" dirty="0">
-                <a:solidFill>
-                  <a:srgbClr val="252423"/>
-                </a:solidFill>
-                <a:effectLst/>
-                <a:latin typeface="Segoe UI" panose="020B0502040204020203" pitchFamily="34" charset="0"/>
-              </a:rPr>
-              <a:t/>
-            </a:r>
             <a:br>
               <a:rPr lang="en-US" b="0" i="0" dirty="0">
                 <a:solidFill>
@@ -25701,16 +25636,6 @@
           </a:bodyPr>
           <a:lstStyle/>
           <a:p>
-            <a:r>
-              <a:rPr lang="en-US" b="0" i="0" dirty="0">
-                <a:solidFill>
-                  <a:srgbClr val="252423"/>
-                </a:solidFill>
-                <a:effectLst/>
-                <a:latin typeface="Segoe UI" panose="020B0502040204020203" pitchFamily="34" charset="0"/>
-              </a:rPr>
-              <a:t/>
-            </a:r>
             <a:br>
               <a:rPr lang="en-US" b="0" i="0" dirty="0">
                 <a:solidFill>
@@ -25738,16 +25663,6 @@
                 <a:latin typeface="Segoe UI" panose="020B0502040204020203" pitchFamily="34" charset="0"/>
               </a:rPr>
               <a:t>and High top dried mushrooms are the products with highest sales from all 639 products. </a:t>
-            </a:r>
-            <a:r>
-              <a:rPr lang="en-US" b="0" i="0" dirty="0">
-                <a:solidFill>
-                  <a:srgbClr val="252423"/>
-                </a:solidFill>
-                <a:effectLst/>
-                <a:latin typeface="Segoe UI" panose="020B0502040204020203" pitchFamily="34" charset="0"/>
-              </a:rPr>
-              <a:t/>
             </a:r>
             <a:br>
               <a:rPr lang="en-US" b="0" i="0" dirty="0">
